--- a/bash/slides/ppt/02 - Bash Shell.pptx
+++ b/bash/slides/ppt/02 - Bash Shell.pptx
@@ -258,7 +258,7 @@
             <a:fld id="{BAEB7694-8561-4BE2-948D-EDF7A201F8BB}" type="datetimeFigureOut">
               <a:rPr lang="it-IT" smtClean="0"/>
               <a:pPr/>
-              <a:t>07/02/22</a:t>
+              <a:t>02/03/22</a:t>
             </a:fld>
             <a:endParaRPr lang="it-IT"/>
           </a:p>

--- a/bash/slides/ppt/02 - Bash Shell.pptx
+++ b/bash/slides/ppt/02 - Bash Shell.pptx
@@ -258,7 +258,7 @@
             <a:fld id="{BAEB7694-8561-4BE2-948D-EDF7A201F8BB}" type="datetimeFigureOut">
               <a:rPr lang="it-IT" smtClean="0"/>
               <a:pPr/>
-              <a:t>02/03/22</a:t>
+              <a:t>06/03/22</a:t>
             </a:fld>
             <a:endParaRPr lang="it-IT"/>
           </a:p>
@@ -12425,7 +12425,7 @@
                 <a:latin typeface="Calibri" panose="020F0502020204030204" pitchFamily="34" charset="0"/>
                 <a:cs typeface="Calibri" panose="020F0502020204030204" pitchFamily="34" charset="0"/>
               </a:rPr>
-              <a:t> (RAM).  HDD SSD: ~0.1GB/S, DDR4: ~5GB/S</a:t>
+              <a:t> (RAM).  HDD SSD: ~0.2GB/S, DDR4: ~5GB/S</a:t>
             </a:r>
           </a:p>
           <a:p>

--- a/bash/slides/ppt/02 - Bash Shell.pptx
+++ b/bash/slides/ppt/02 - Bash Shell.pptx
@@ -28,8 +28,8 @@
     <p:sldId id="450" r:id="rId19"/>
     <p:sldId id="430" r:id="rId20"/>
     <p:sldId id="413" r:id="rId21"/>
-    <p:sldId id="420" r:id="rId22"/>
-    <p:sldId id="453" r:id="rId23"/>
+    <p:sldId id="453" r:id="rId22"/>
+    <p:sldId id="420" r:id="rId23"/>
     <p:sldId id="452" r:id="rId24"/>
     <p:sldId id="421" r:id="rId25"/>
     <p:sldId id="454" r:id="rId26"/>
@@ -258,7 +258,7 @@
             <a:fld id="{BAEB7694-8561-4BE2-948D-EDF7A201F8BB}" type="datetimeFigureOut">
               <a:rPr lang="it-IT" smtClean="0"/>
               <a:pPr/>
-              <a:t>06/03/22</a:t>
+              <a:t>07/03/22</a:t>
             </a:fld>
             <a:endParaRPr lang="it-IT"/>
           </a:p>
@@ -5052,18 +5052,11 @@
               <a:t>$ </a:t>
             </a:r>
             <a:r>
-              <a:rPr lang="en-US" altLang="it-IT" dirty="0" err="1">
-                <a:latin typeface="Consolas" panose="020B0609020204030204" pitchFamily="49" charset="0"/>
-                <a:cs typeface="Consolas" panose="020B0609020204030204" pitchFamily="49" charset="0"/>
-              </a:rPr>
-              <a:t>tr</a:t>
-            </a:r>
-            <a:r>
               <a:rPr lang="en-US" altLang="it-IT" dirty="0">
                 <a:latin typeface="Consolas" panose="020B0609020204030204" pitchFamily="49" charset="0"/>
                 <a:cs typeface="Consolas" panose="020B0609020204030204" pitchFamily="49" charset="0"/>
               </a:rPr>
-              <a:t> [:lower:] [:upper:] &lt; fin &gt; </a:t>
+              <a:t>tr [:lower:] [:upper:] &lt; fin &gt; </a:t>
             </a:r>
             <a:r>
               <a:rPr lang="en-US" altLang="it-IT" dirty="0" err="1">
@@ -11253,7 +11246,7 @@
             </a:r>
             <a:r>
               <a:rPr lang="en-GB" dirty="0"/>
-              <a:t> (&amp;&amp;, ||)</a:t>
+              <a:t> (;)</a:t>
             </a:r>
           </a:p>
         </p:txBody>
@@ -11289,47 +11282,65 @@
                   </a:schemeClr>
                 </a:solidFill>
               </a:rPr>
-              <a:t>&amp;&amp; AND LOGICO </a:t>
-            </a:r>
+              <a:t>cmd1; cmd2 CONCATENAZIONE SEMPLICE </a:t>
+            </a:r>
+          </a:p>
+          <a:p>
+            <a:pPr lvl="1"/>
             <a:r>
               <a:rPr lang="en-GB" dirty="0" err="1"/>
               <a:t>Esegue</a:t>
             </a:r>
             <a:r>
               <a:rPr lang="en-GB" dirty="0"/>
+              <a:t> cmd2 a </a:t>
+            </a:r>
+            <a:r>
+              <a:rPr lang="en-GB" dirty="0" err="1"/>
+              <a:t>prescindere</a:t>
+            </a:r>
+            <a:r>
+              <a:rPr lang="en-GB" dirty="0"/>
+              <a:t> dal </a:t>
+            </a:r>
+            <a:r>
+              <a:rPr lang="en-GB" dirty="0" err="1"/>
+              <a:t>valore</a:t>
+            </a:r>
+            <a:r>
+              <a:rPr lang="en-GB" dirty="0"/>
+              <a:t> di </a:t>
+            </a:r>
+            <a:r>
+              <a:rPr lang="en-GB" dirty="0" err="1"/>
+              <a:t>ritorno</a:t>
+            </a:r>
+            <a:r>
+              <a:rPr lang="en-GB" dirty="0"/>
+              <a:t> di cmd1</a:t>
+            </a:r>
+          </a:p>
+          <a:p>
+            <a:pPr lvl="1"/>
+            <a:r>
+              <a:rPr lang="en-GB" dirty="0"/>
+              <a:t>In shell, 0 </a:t>
+            </a:r>
+            <a:r>
+              <a:rPr lang="en-GB" dirty="0" err="1"/>
+              <a:t>è</a:t>
+            </a:r>
+            <a:r>
+              <a:rPr lang="en-GB" dirty="0"/>
               <a:t> </a:t>
             </a:r>
             <a:r>
               <a:rPr lang="en-GB" dirty="0" err="1"/>
-              <a:t>il</a:t>
-            </a:r>
-            <a:r>
-              <a:rPr lang="en-GB" dirty="0"/>
-              <a:t> secondo </a:t>
-            </a:r>
-            <a:r>
-              <a:rPr lang="en-GB" dirty="0" err="1"/>
-              <a:t>comando</a:t>
-            </a:r>
-            <a:r>
-              <a:rPr lang="en-GB" dirty="0"/>
-              <a:t> se </a:t>
-            </a:r>
-            <a:r>
-              <a:rPr lang="en-GB" dirty="0" err="1"/>
-              <a:t>il</a:t>
-            </a:r>
-            <a:r>
-              <a:rPr lang="en-GB" dirty="0"/>
-              <a:t> primo </a:t>
-            </a:r>
-            <a:r>
-              <a:rPr lang="en-GB" dirty="0" err="1"/>
-              <a:t>termina</a:t>
-            </a:r>
-            <a:r>
-              <a:rPr lang="en-GB" dirty="0"/>
-              <a:t> con </a:t>
+              <a:t>interpretato</a:t>
+            </a:r>
+            <a:r>
+              <a:rPr lang="en-GB" dirty="0"/>
+              <a:t> come </a:t>
             </a:r>
             <a:r>
               <a:rPr lang="en-GB" dirty="0" err="1"/>
@@ -11341,29 +11352,27 @@
             </a:r>
             <a:r>
               <a:rPr lang="en-GB" dirty="0" err="1"/>
-              <a:t>ritorna</a:t>
-            </a:r>
-            <a:r>
-              <a:rPr lang="en-GB" dirty="0"/>
-              <a:t> 0):</a:t>
-            </a:r>
-          </a:p>
-          <a:p>
-            <a:pPr marL="0" indent="0">
-              <a:buNone/>
-            </a:pPr>
-            <a:r>
-              <a:rPr lang="en-GB" dirty="0"/>
-              <a:t>$ true &amp;&amp; ls</a:t>
-            </a:r>
-          </a:p>
-          <a:p>
-            <a:pPr marL="0" indent="0">
-              <a:buNone/>
-            </a:pPr>
-            <a:r>
-              <a:rPr lang="en-GB" dirty="0"/>
-              <a:t>$ false &amp;&amp; ls</a:t>
+              <a:t>vero</a:t>
+            </a:r>
+            <a:r>
+              <a:rPr lang="en-GB" dirty="0"/>
+              <a:t>), &gt; 0 come </a:t>
+            </a:r>
+            <a:r>
+              <a:rPr lang="en-GB" dirty="0" err="1"/>
+              <a:t>fallimento</a:t>
+            </a:r>
+            <a:r>
+              <a:rPr lang="en-GB" dirty="0"/>
+              <a:t> (</a:t>
+            </a:r>
+            <a:r>
+              <a:rPr lang="en-GB" dirty="0" err="1"/>
+              <a:t>falso</a:t>
+            </a:r>
+            <a:r>
+              <a:rPr lang="en-GB" dirty="0"/>
+              <a:t>)</a:t>
             </a:r>
           </a:p>
           <a:p>
@@ -11373,72 +11382,12 @@
             <a:endParaRPr lang="en-GB" dirty="0"/>
           </a:p>
           <a:p>
-            <a:r>
-              <a:rPr lang="en-GB" dirty="0">
-                <a:solidFill>
-                  <a:schemeClr val="accent6">
-                    <a:lumMod val="75000"/>
-                  </a:schemeClr>
-                </a:solidFill>
-              </a:rPr>
-              <a:t>|| OR LOGICO </a:t>
-            </a:r>
-            <a:r>
-              <a:rPr lang="en-GB" dirty="0" err="1"/>
-              <a:t>Esegue</a:t>
-            </a:r>
-            <a:r>
-              <a:rPr lang="en-GB" dirty="0"/>
-              <a:t> </a:t>
-            </a:r>
-            <a:r>
-              <a:rPr lang="en-GB" dirty="0" err="1"/>
-              <a:t>il</a:t>
-            </a:r>
-            <a:r>
-              <a:rPr lang="en-GB" dirty="0"/>
-              <a:t> secondo </a:t>
-            </a:r>
-            <a:r>
-              <a:rPr lang="en-GB" dirty="0" err="1"/>
-              <a:t>comando</a:t>
-            </a:r>
-            <a:r>
-              <a:rPr lang="en-GB" dirty="0"/>
-              <a:t> se </a:t>
-            </a:r>
-            <a:r>
-              <a:rPr lang="en-GB" dirty="0" err="1"/>
-              <a:t>il</a:t>
-            </a:r>
-            <a:r>
-              <a:rPr lang="en-GB" dirty="0"/>
-              <a:t> primo </a:t>
-            </a:r>
-            <a:r>
-              <a:rPr lang="en-GB" dirty="0" err="1"/>
-              <a:t>fallisce</a:t>
-            </a:r>
-            <a:r>
-              <a:rPr lang="en-GB" dirty="0"/>
-              <a:t> (</a:t>
-            </a:r>
-            <a:r>
-              <a:rPr lang="en-GB" dirty="0" err="1"/>
-              <a:t>ritorna</a:t>
-            </a:r>
-            <a:r>
-              <a:rPr lang="en-GB" dirty="0"/>
-              <a:t> 1):</a:t>
-            </a:r>
-          </a:p>
-          <a:p>
             <a:pPr marL="0" indent="0">
               <a:buNone/>
             </a:pPr>
             <a:r>
               <a:rPr lang="en-GB" dirty="0"/>
-              <a:t>$ true || ls</a:t>
+              <a:t>$ true; echo $?</a:t>
             </a:r>
           </a:p>
           <a:p>
@@ -11447,7 +11396,25 @@
             </a:pPr>
             <a:r>
               <a:rPr lang="en-GB" dirty="0"/>
-              <a:t>$ false || ls</a:t>
+              <a:t>$ false; echo $?</a:t>
+            </a:r>
+          </a:p>
+          <a:p>
+            <a:pPr marL="0" indent="0">
+              <a:buNone/>
+            </a:pPr>
+            <a:r>
+              <a:rPr lang="en-GB" dirty="0"/>
+              <a:t>$ true; ls</a:t>
+            </a:r>
+          </a:p>
+          <a:p>
+            <a:pPr marL="0" indent="0">
+              <a:buNone/>
+            </a:pPr>
+            <a:r>
+              <a:rPr lang="en-GB" dirty="0"/>
+              <a:t>$ false; ls</a:t>
             </a:r>
           </a:p>
           <a:p>
@@ -11491,7 +11458,7 @@
     </p:spTree>
     <p:extLst>
       <p:ext uri="{BB962C8B-B14F-4D97-AF65-F5344CB8AC3E}">
-        <p14:creationId xmlns:p14="http://schemas.microsoft.com/office/powerpoint/2010/main" val="3989568816"/>
+        <p14:creationId xmlns:p14="http://schemas.microsoft.com/office/powerpoint/2010/main" val="1355129213"/>
       </p:ext>
     </p:extLst>
   </p:cSld>
@@ -11553,7 +11520,7 @@
             </a:r>
             <a:r>
               <a:rPr lang="en-GB" dirty="0"/>
-              <a:t> (;)</a:t>
+              <a:t> (&amp;&amp;, ||)</a:t>
             </a:r>
           </a:p>
         </p:txBody>
@@ -11589,55 +11556,52 @@
                   </a:schemeClr>
                 </a:solidFill>
               </a:rPr>
-              <a:t>; CONCATENAZIONE SEMPLICE </a:t>
-            </a:r>
+              <a:t>cmd1 &amp;&amp; cmd2 (AND LOGICO)</a:t>
+            </a:r>
+          </a:p>
+          <a:p>
+            <a:pPr lvl="1"/>
             <a:r>
               <a:rPr lang="en-GB" dirty="0" err="1"/>
               <a:t>Esegue</a:t>
             </a:r>
             <a:r>
               <a:rPr lang="en-GB" dirty="0"/>
-              <a:t> </a:t>
+              <a:t> cmd2 se cmd1 termina con </a:t>
             </a:r>
             <a:r>
               <a:rPr lang="en-GB" dirty="0" err="1"/>
-              <a:t>il</a:t>
-            </a:r>
-            <a:r>
-              <a:rPr lang="en-GB" dirty="0"/>
-              <a:t> secondo </a:t>
+              <a:t>successo</a:t>
+            </a:r>
+            <a:r>
+              <a:rPr lang="en-GB" dirty="0"/>
+              <a:t> (</a:t>
             </a:r>
             <a:r>
               <a:rPr lang="en-GB" dirty="0" err="1"/>
-              <a:t>cmd</a:t>
-            </a:r>
-            <a:r>
-              <a:rPr lang="en-GB" dirty="0"/>
-              <a:t> a </a:t>
-            </a:r>
-            <a:r>
-              <a:rPr lang="en-GB" dirty="0" err="1"/>
-              <a:t>prescindere</a:t>
-            </a:r>
-            <a:r>
-              <a:rPr lang="en-GB" dirty="0"/>
-              <a:t> dal </a:t>
-            </a:r>
-            <a:r>
-              <a:rPr lang="en-GB" dirty="0" err="1"/>
-              <a:t>valore</a:t>
-            </a:r>
-            <a:r>
-              <a:rPr lang="en-GB" dirty="0"/>
-              <a:t> di </a:t>
-            </a:r>
-            <a:r>
-              <a:rPr lang="en-GB" dirty="0" err="1"/>
-              <a:t>ritorno</a:t>
-            </a:r>
-            <a:r>
-              <a:rPr lang="en-GB" dirty="0"/>
-              <a:t> del primo </a:t>
+              <a:t>ritorna</a:t>
+            </a:r>
+            <a:r>
+              <a:rPr lang="en-GB" dirty="0"/>
+              <a:t> 0)</a:t>
+            </a:r>
+          </a:p>
+          <a:p>
+            <a:pPr marL="0" indent="0">
+              <a:buNone/>
+            </a:pPr>
+            <a:r>
+              <a:rPr lang="en-GB" dirty="0"/>
+              <a:t>$ true &amp;&amp; ls</a:t>
+            </a:r>
+          </a:p>
+          <a:p>
+            <a:pPr marL="0" indent="0">
+              <a:buNone/>
+            </a:pPr>
+            <a:r>
+              <a:rPr lang="en-GB" dirty="0"/>
+              <a:t>$ false &amp;&amp; ls</a:t>
             </a:r>
           </a:p>
           <a:p>
@@ -11647,12 +11611,51 @@
             <a:endParaRPr lang="en-GB" dirty="0"/>
           </a:p>
           <a:p>
+            <a:r>
+              <a:rPr lang="en-GB" dirty="0">
+                <a:solidFill>
+                  <a:schemeClr val="accent6">
+                    <a:lumMod val="75000"/>
+                  </a:schemeClr>
+                </a:solidFill>
+              </a:rPr>
+              <a:t>cmd1 || cmd2 (OR LOGICO)</a:t>
+            </a:r>
+          </a:p>
+          <a:p>
+            <a:pPr lvl="1"/>
+            <a:r>
+              <a:rPr lang="en-GB" dirty="0" err="1"/>
+              <a:t>Esegue</a:t>
+            </a:r>
+            <a:r>
+              <a:rPr lang="en-GB" dirty="0"/>
+              <a:t> cmd2 se cmd1 </a:t>
+            </a:r>
+            <a:r>
+              <a:rPr lang="en-GB" dirty="0" err="1"/>
+              <a:t>fallisce</a:t>
+            </a:r>
+            <a:r>
+              <a:rPr lang="en-GB" dirty="0"/>
+              <a:t> (</a:t>
+            </a:r>
+            <a:r>
+              <a:rPr lang="en-GB" dirty="0" err="1"/>
+              <a:t>ritorna</a:t>
+            </a:r>
+            <a:r>
+              <a:rPr lang="en-GB" dirty="0"/>
+              <a:t> 1)</a:t>
+            </a:r>
+          </a:p>
+          <a:p>
             <a:pPr marL="0" indent="0">
               <a:buNone/>
             </a:pPr>
             <a:r>
               <a:rPr lang="en-GB" dirty="0"/>
-              <a:t>$ true; ls</a:t>
+              <a:t>$ true || ls</a:t>
             </a:r>
           </a:p>
           <a:p>
@@ -11661,25 +11664,7 @@
             </a:pPr>
             <a:r>
               <a:rPr lang="en-GB" dirty="0"/>
-              <a:t>$ false; ls</a:t>
-            </a:r>
-          </a:p>
-          <a:p>
-            <a:pPr marL="0" indent="0">
-              <a:buNone/>
-            </a:pPr>
-            <a:r>
-              <a:rPr lang="en-GB" dirty="0"/>
-              <a:t>$ true; echo $?</a:t>
-            </a:r>
-          </a:p>
-          <a:p>
-            <a:pPr marL="0" indent="0">
-              <a:buNone/>
-            </a:pPr>
-            <a:r>
-              <a:rPr lang="en-GB" dirty="0"/>
-              <a:t>$ false; echo $?</a:t>
+              <a:t>$ false || ls</a:t>
             </a:r>
           </a:p>
           <a:p>
@@ -11720,10 +11705,46 @@
           </a:p>
         </p:txBody>
       </p:sp>
+      <p:pic>
+        <p:nvPicPr>
+          <p:cNvPr id="8" name="Picture 7">
+            <a:extLst>
+              <a:ext uri="{FF2B5EF4-FFF2-40B4-BE49-F238E27FC236}">
+                <a16:creationId xmlns:a16="http://schemas.microsoft.com/office/drawing/2014/main" id="{870D0FBD-093E-654F-8C43-9A660E2F1535}"/>
+              </a:ext>
+            </a:extLst>
+          </p:cNvPr>
+          <p:cNvPicPr>
+            <a:picLocks noChangeAspect="1"/>
+          </p:cNvPicPr>
+          <p:nvPr/>
+        </p:nvPicPr>
+        <p:blipFill>
+          <a:blip r:embed="rId2">
+            <a:extLst>
+              <a:ext uri="{28A0092B-C50C-407E-A947-70E740481C1C}">
+                <a14:useLocalDpi xmlns:a14="http://schemas.microsoft.com/office/drawing/2010/main" val="0"/>
+              </a:ext>
+            </a:extLst>
+          </a:blip>
+          <a:stretch>
+            <a:fillRect/>
+          </a:stretch>
+        </p:blipFill>
+        <p:spPr>
+          <a:xfrm>
+            <a:off x="7089637" y="3284983"/>
+            <a:ext cx="4815184" cy="3260281"/>
+          </a:xfrm>
+          <a:prstGeom prst="rect">
+            <a:avLst/>
+          </a:prstGeom>
+        </p:spPr>
+      </p:pic>
     </p:spTree>
     <p:extLst>
       <p:ext uri="{BB962C8B-B14F-4D97-AF65-F5344CB8AC3E}">
-        <p14:creationId xmlns:p14="http://schemas.microsoft.com/office/powerpoint/2010/main" val="1355129213"/>
+        <p14:creationId xmlns:p14="http://schemas.microsoft.com/office/powerpoint/2010/main" val="3989568816"/>
       </p:ext>
     </p:extLst>
   </p:cSld>
@@ -11803,15 +11824,7 @@
           <a:p>
             <a:r>
               <a:rPr lang="en-GB" dirty="0"/>
-              <a:t>E’ </a:t>
-            </a:r>
-            <a:r>
-              <a:rPr lang="en-GB" dirty="0" err="1"/>
-              <a:t>sempre</a:t>
-            </a:r>
-            <a:r>
-              <a:rPr lang="en-GB" dirty="0"/>
-              <a:t> possible </a:t>
+              <a:t>E’ sempre possible </a:t>
             </a:r>
             <a:r>
               <a:rPr lang="en-GB" dirty="0" err="1"/>
@@ -11835,15 +11848,7 @@
             </a:r>
             <a:r>
               <a:rPr lang="en-GB" dirty="0"/>
-              <a:t> </a:t>
-            </a:r>
-            <a:r>
-              <a:rPr lang="en-GB" dirty="0" err="1"/>
-              <a:t>il</a:t>
-            </a:r>
-            <a:r>
-              <a:rPr lang="en-GB" dirty="0"/>
-              <a:t> filesystem come </a:t>
+              <a:t> il filesystem come </a:t>
             </a:r>
             <a:r>
               <a:rPr lang="en-GB" dirty="0" err="1"/>
@@ -11860,6 +11865,299 @@
             <a:endParaRPr lang="en-GB" dirty="0"/>
           </a:p>
           <a:p>
+            <a:r>
+              <a:rPr lang="en-GB" dirty="0" err="1">
+                <a:solidFill>
+                  <a:schemeClr val="accent6">
+                    <a:lumMod val="75000"/>
+                  </a:schemeClr>
+                </a:solidFill>
+                <a:latin typeface="Calibri" panose="020F0502020204030204" pitchFamily="34" charset="0"/>
+                <a:cs typeface="Calibri" panose="020F0502020204030204" pitchFamily="34" charset="0"/>
+              </a:rPr>
+              <a:t>Approccio</a:t>
+            </a:r>
+            <a:r>
+              <a:rPr lang="en-GB" dirty="0">
+                <a:solidFill>
+                  <a:schemeClr val="accent6">
+                    <a:lumMod val="75000"/>
+                  </a:schemeClr>
+                </a:solidFill>
+                <a:latin typeface="Calibri" panose="020F0502020204030204" pitchFamily="34" charset="0"/>
+                <a:cs typeface="Calibri" panose="020F0502020204030204" pitchFamily="34" charset="0"/>
+              </a:rPr>
+              <a:t> </a:t>
+            </a:r>
+            <a:r>
+              <a:rPr lang="en-GB" dirty="0" err="1">
+                <a:solidFill>
+                  <a:schemeClr val="accent6">
+                    <a:lumMod val="75000"/>
+                  </a:schemeClr>
+                </a:solidFill>
+                <a:latin typeface="Calibri" panose="020F0502020204030204" pitchFamily="34" charset="0"/>
+                <a:cs typeface="Calibri" panose="020F0502020204030204" pitchFamily="34" charset="0"/>
+              </a:rPr>
+              <a:t>estremamente</a:t>
+            </a:r>
+            <a:r>
+              <a:rPr lang="en-GB" dirty="0">
+                <a:solidFill>
+                  <a:schemeClr val="accent6">
+                    <a:lumMod val="75000"/>
+                  </a:schemeClr>
+                </a:solidFill>
+                <a:latin typeface="Calibri" panose="020F0502020204030204" pitchFamily="34" charset="0"/>
+                <a:cs typeface="Calibri" panose="020F0502020204030204" pitchFamily="34" charset="0"/>
+              </a:rPr>
+              <a:t> </a:t>
+            </a:r>
+            <a:r>
+              <a:rPr lang="en-GB" dirty="0" err="1">
+                <a:solidFill>
+                  <a:schemeClr val="accent6">
+                    <a:lumMod val="75000"/>
+                  </a:schemeClr>
+                </a:solidFill>
+                <a:latin typeface="Calibri" panose="020F0502020204030204" pitchFamily="34" charset="0"/>
+                <a:cs typeface="Calibri" panose="020F0502020204030204" pitchFamily="34" charset="0"/>
+              </a:rPr>
+              <a:t>inefficiente</a:t>
+            </a:r>
+            <a:r>
+              <a:rPr lang="en-GB" dirty="0">
+                <a:solidFill>
+                  <a:schemeClr val="accent6">
+                    <a:lumMod val="75000"/>
+                  </a:schemeClr>
+                </a:solidFill>
+                <a:latin typeface="Calibri" panose="020F0502020204030204" pitchFamily="34" charset="0"/>
+                <a:cs typeface="Calibri" panose="020F0502020204030204" pitchFamily="34" charset="0"/>
+              </a:rPr>
+              <a:t>. La </a:t>
+            </a:r>
+            <a:r>
+              <a:rPr lang="en-GB" dirty="0" err="1">
+                <a:solidFill>
+                  <a:schemeClr val="accent6">
+                    <a:lumMod val="75000"/>
+                  </a:schemeClr>
+                </a:solidFill>
+                <a:latin typeface="Calibri" panose="020F0502020204030204" pitchFamily="34" charset="0"/>
+                <a:cs typeface="Calibri" panose="020F0502020204030204" pitchFamily="34" charset="0"/>
+              </a:rPr>
+              <a:t>memoria</a:t>
+            </a:r>
+            <a:r>
+              <a:rPr lang="en-GB" dirty="0">
+                <a:solidFill>
+                  <a:schemeClr val="accent6">
+                    <a:lumMod val="75000"/>
+                  </a:schemeClr>
+                </a:solidFill>
+                <a:latin typeface="Calibri" panose="020F0502020204030204" pitchFamily="34" charset="0"/>
+                <a:cs typeface="Calibri" panose="020F0502020204030204" pitchFamily="34" charset="0"/>
+              </a:rPr>
+              <a:t> </a:t>
+            </a:r>
+            <a:r>
+              <a:rPr lang="en-GB" dirty="0" err="1">
+                <a:solidFill>
+                  <a:schemeClr val="accent6">
+                    <a:lumMod val="75000"/>
+                  </a:schemeClr>
+                </a:solidFill>
+                <a:latin typeface="Calibri" panose="020F0502020204030204" pitchFamily="34" charset="0"/>
+                <a:cs typeface="Calibri" panose="020F0502020204030204" pitchFamily="34" charset="0"/>
+              </a:rPr>
+              <a:t>secondaria</a:t>
+            </a:r>
+            <a:r>
+              <a:rPr lang="en-GB" dirty="0">
+                <a:solidFill>
+                  <a:schemeClr val="accent6">
+                    <a:lumMod val="75000"/>
+                  </a:schemeClr>
+                </a:solidFill>
+                <a:latin typeface="Calibri" panose="020F0502020204030204" pitchFamily="34" charset="0"/>
+                <a:cs typeface="Calibri" panose="020F0502020204030204" pitchFamily="34" charset="0"/>
+              </a:rPr>
+              <a:t> (HDD) </a:t>
+            </a:r>
+            <a:r>
+              <a:rPr lang="en-GB" dirty="0" err="1">
+                <a:solidFill>
+                  <a:schemeClr val="accent6">
+                    <a:lumMod val="75000"/>
+                  </a:schemeClr>
+                </a:solidFill>
+                <a:latin typeface="Calibri" panose="020F0502020204030204" pitchFamily="34" charset="0"/>
+                <a:cs typeface="Calibri" panose="020F0502020204030204" pitchFamily="34" charset="0"/>
+              </a:rPr>
+              <a:t>è</a:t>
+            </a:r>
+            <a:r>
+              <a:rPr lang="en-GB" dirty="0">
+                <a:solidFill>
+                  <a:schemeClr val="accent6">
+                    <a:lumMod val="75000"/>
+                  </a:schemeClr>
+                </a:solidFill>
+                <a:latin typeface="Calibri" panose="020F0502020204030204" pitchFamily="34" charset="0"/>
+                <a:cs typeface="Calibri" panose="020F0502020204030204" pitchFamily="34" charset="0"/>
+              </a:rPr>
+              <a:t> </a:t>
+            </a:r>
+            <a:r>
+              <a:rPr lang="en-GB" dirty="0" err="1">
+                <a:solidFill>
+                  <a:schemeClr val="accent6">
+                    <a:lumMod val="75000"/>
+                  </a:schemeClr>
+                </a:solidFill>
+                <a:latin typeface="Calibri" panose="020F0502020204030204" pitchFamily="34" charset="0"/>
+                <a:cs typeface="Calibri" panose="020F0502020204030204" pitchFamily="34" charset="0"/>
+              </a:rPr>
+              <a:t>molto</a:t>
+            </a:r>
+            <a:r>
+              <a:rPr lang="en-GB" dirty="0">
+                <a:solidFill>
+                  <a:schemeClr val="accent6">
+                    <a:lumMod val="75000"/>
+                  </a:schemeClr>
+                </a:solidFill>
+                <a:latin typeface="Calibri" panose="020F0502020204030204" pitchFamily="34" charset="0"/>
+                <a:cs typeface="Calibri" panose="020F0502020204030204" pitchFamily="34" charset="0"/>
+              </a:rPr>
+              <a:t> </a:t>
+            </a:r>
+            <a:r>
+              <a:rPr lang="en-GB" dirty="0" err="1">
+                <a:solidFill>
+                  <a:schemeClr val="accent6">
+                    <a:lumMod val="75000"/>
+                  </a:schemeClr>
+                </a:solidFill>
+                <a:latin typeface="Calibri" panose="020F0502020204030204" pitchFamily="34" charset="0"/>
+                <a:cs typeface="Calibri" panose="020F0502020204030204" pitchFamily="34" charset="0"/>
+              </a:rPr>
+              <a:t>meno</a:t>
+            </a:r>
+            <a:r>
+              <a:rPr lang="en-GB" dirty="0">
+                <a:solidFill>
+                  <a:schemeClr val="accent6">
+                    <a:lumMod val="75000"/>
+                  </a:schemeClr>
+                </a:solidFill>
+                <a:latin typeface="Calibri" panose="020F0502020204030204" pitchFamily="34" charset="0"/>
+                <a:cs typeface="Calibri" panose="020F0502020204030204" pitchFamily="34" charset="0"/>
+              </a:rPr>
+              <a:t> </a:t>
+            </a:r>
+            <a:r>
+              <a:rPr lang="en-GB" dirty="0" err="1">
+                <a:solidFill>
+                  <a:schemeClr val="accent6">
+                    <a:lumMod val="75000"/>
+                  </a:schemeClr>
+                </a:solidFill>
+                <a:latin typeface="Calibri" panose="020F0502020204030204" pitchFamily="34" charset="0"/>
+                <a:cs typeface="Calibri" panose="020F0502020204030204" pitchFamily="34" charset="0"/>
+              </a:rPr>
+              <a:t>performante</a:t>
+            </a:r>
+            <a:r>
+              <a:rPr lang="en-GB" dirty="0">
+                <a:solidFill>
+                  <a:schemeClr val="accent6">
+                    <a:lumMod val="75000"/>
+                  </a:schemeClr>
+                </a:solidFill>
+                <a:latin typeface="Calibri" panose="020F0502020204030204" pitchFamily="34" charset="0"/>
+                <a:cs typeface="Calibri" panose="020F0502020204030204" pitchFamily="34" charset="0"/>
+              </a:rPr>
+              <a:t> </a:t>
+            </a:r>
+            <a:r>
+              <a:rPr lang="en-GB" dirty="0" err="1">
+                <a:solidFill>
+                  <a:schemeClr val="accent6">
+                    <a:lumMod val="75000"/>
+                  </a:schemeClr>
+                </a:solidFill>
+                <a:latin typeface="Calibri" panose="020F0502020204030204" pitchFamily="34" charset="0"/>
+                <a:cs typeface="Calibri" panose="020F0502020204030204" pitchFamily="34" charset="0"/>
+              </a:rPr>
+              <a:t>della</a:t>
+            </a:r>
+            <a:r>
+              <a:rPr lang="en-GB" dirty="0">
+                <a:solidFill>
+                  <a:schemeClr val="accent6">
+                    <a:lumMod val="75000"/>
+                  </a:schemeClr>
+                </a:solidFill>
+                <a:latin typeface="Calibri" panose="020F0502020204030204" pitchFamily="34" charset="0"/>
+                <a:cs typeface="Calibri" panose="020F0502020204030204" pitchFamily="34" charset="0"/>
+              </a:rPr>
+              <a:t> </a:t>
+            </a:r>
+            <a:r>
+              <a:rPr lang="en-GB" dirty="0" err="1">
+                <a:solidFill>
+                  <a:schemeClr val="accent6">
+                    <a:lumMod val="75000"/>
+                  </a:schemeClr>
+                </a:solidFill>
+                <a:latin typeface="Calibri" panose="020F0502020204030204" pitchFamily="34" charset="0"/>
+                <a:cs typeface="Calibri" panose="020F0502020204030204" pitchFamily="34" charset="0"/>
+              </a:rPr>
+              <a:t>memoria</a:t>
+            </a:r>
+            <a:r>
+              <a:rPr lang="en-GB" dirty="0">
+                <a:solidFill>
+                  <a:schemeClr val="accent6">
+                    <a:lumMod val="75000"/>
+                  </a:schemeClr>
+                </a:solidFill>
+                <a:latin typeface="Calibri" panose="020F0502020204030204" pitchFamily="34" charset="0"/>
+                <a:cs typeface="Calibri" panose="020F0502020204030204" pitchFamily="34" charset="0"/>
+              </a:rPr>
+              <a:t> </a:t>
+            </a:r>
+            <a:r>
+              <a:rPr lang="en-GB" dirty="0" err="1">
+                <a:solidFill>
+                  <a:schemeClr val="accent6">
+                    <a:lumMod val="75000"/>
+                  </a:schemeClr>
+                </a:solidFill>
+                <a:latin typeface="Calibri" panose="020F0502020204030204" pitchFamily="34" charset="0"/>
+                <a:cs typeface="Calibri" panose="020F0502020204030204" pitchFamily="34" charset="0"/>
+              </a:rPr>
+              <a:t>primaria</a:t>
+            </a:r>
+            <a:r>
+              <a:rPr lang="en-GB" dirty="0">
+                <a:solidFill>
+                  <a:schemeClr val="accent6">
+                    <a:lumMod val="75000"/>
+                  </a:schemeClr>
+                </a:solidFill>
+                <a:latin typeface="Calibri" panose="020F0502020204030204" pitchFamily="34" charset="0"/>
+                <a:cs typeface="Calibri" panose="020F0502020204030204" pitchFamily="34" charset="0"/>
+              </a:rPr>
+              <a:t> (RAM).  HDD SSD: ~0.2GB/S, DDR4: ~5GB/S</a:t>
+            </a:r>
+          </a:p>
+          <a:p>
+            <a:endParaRPr lang="en-GB" dirty="0"/>
+          </a:p>
+          <a:p>
             <a:pPr marL="0" indent="0">
               <a:buNone/>
             </a:pPr>
@@ -11872,7 +12170,6 @@
             </a:r>
           </a:p>
           <a:p>
-            <a:pPr lvl="1"/>
             <a:r>
               <a:rPr lang="en-GB" dirty="0">
                 <a:latin typeface="Calibri" panose="020F0502020204030204" pitchFamily="34" charset="0"/>
@@ -12004,14 +12301,33 @@
                 <a:latin typeface="Calibri" panose="020F0502020204030204" pitchFamily="34" charset="0"/>
                 <a:cs typeface="Calibri" panose="020F0502020204030204" pitchFamily="34" charset="0"/>
               </a:rPr>
-              <a:t> di f2. Il </a:t>
+              <a:t> di f2. Il carattere </a:t>
+            </a:r>
+            <a:r>
+              <a:rPr lang="en-GB" dirty="0">
+                <a:solidFill>
+                  <a:schemeClr val="accent6">
+                    <a:lumMod val="75000"/>
+                  </a:schemeClr>
+                </a:solidFill>
+                <a:latin typeface="Calibri" panose="020F0502020204030204" pitchFamily="34" charset="0"/>
+                <a:cs typeface="Calibri" panose="020F0502020204030204" pitchFamily="34" charset="0"/>
+              </a:rPr>
+              <a:t>;</a:t>
+            </a:r>
+            <a:r>
+              <a:rPr lang="en-GB" dirty="0">
+                <a:latin typeface="Calibri" panose="020F0502020204030204" pitchFamily="34" charset="0"/>
+                <a:cs typeface="Calibri" panose="020F0502020204030204" pitchFamily="34" charset="0"/>
+              </a:rPr>
+              <a:t> </a:t>
             </a:r>
             <a:r>
               <a:rPr lang="en-GB" dirty="0" err="1">
                 <a:latin typeface="Calibri" panose="020F0502020204030204" pitchFamily="34" charset="0"/>
                 <a:cs typeface="Calibri" panose="020F0502020204030204" pitchFamily="34" charset="0"/>
               </a:rPr>
-              <a:t>carattere</a:t>
+              <a:t>è</a:t>
             </a:r>
             <a:r>
               <a:rPr lang="en-GB" dirty="0">
@@ -12021,30 +12337,25 @@
               <a:t> </a:t>
             </a:r>
             <a:r>
-              <a:rPr lang="en-GB" dirty="0">
-                <a:solidFill>
-                  <a:schemeClr val="accent6">
-                    <a:lumMod val="75000"/>
-                  </a:schemeClr>
-                </a:solidFill>
+              <a:rPr lang="en-GB" dirty="0" err="1">
                 <a:latin typeface="Calibri" panose="020F0502020204030204" pitchFamily="34" charset="0"/>
                 <a:cs typeface="Calibri" panose="020F0502020204030204" pitchFamily="34" charset="0"/>
               </a:rPr>
-              <a:t>;</a:t>
+              <a:t>utilizzato</a:t>
             </a:r>
             <a:r>
               <a:rPr lang="en-GB" dirty="0">
                 <a:latin typeface="Calibri" panose="020F0502020204030204" pitchFamily="34" charset="0"/>
                 <a:cs typeface="Calibri" panose="020F0502020204030204" pitchFamily="34" charset="0"/>
               </a:rPr>
-              <a:t> </a:t>
+              <a:t> per </a:t>
             </a:r>
             <a:r>
               <a:rPr lang="en-GB" dirty="0" err="1">
                 <a:latin typeface="Calibri" panose="020F0502020204030204" pitchFamily="34" charset="0"/>
                 <a:cs typeface="Calibri" panose="020F0502020204030204" pitchFamily="34" charset="0"/>
               </a:rPr>
-              <a:t>è</a:t>
+              <a:t>combinare</a:t>
             </a:r>
             <a:r>
               <a:rPr lang="en-GB" dirty="0">
@@ -12058,21 +12369,21 @@
                 <a:latin typeface="Calibri" panose="020F0502020204030204" pitchFamily="34" charset="0"/>
                 <a:cs typeface="Calibri" panose="020F0502020204030204" pitchFamily="34" charset="0"/>
               </a:rPr>
-              <a:t>utilizzato</a:t>
+              <a:t>comandi</a:t>
             </a:r>
             <a:r>
               <a:rPr lang="en-GB" dirty="0">
                 <a:latin typeface="Calibri" panose="020F0502020204030204" pitchFamily="34" charset="0"/>
                 <a:cs typeface="Calibri" panose="020F0502020204030204" pitchFamily="34" charset="0"/>
               </a:rPr>
-              <a:t> per </a:t>
+              <a:t> </a:t>
             </a:r>
             <a:r>
               <a:rPr lang="en-GB" dirty="0" err="1">
                 <a:latin typeface="Calibri" panose="020F0502020204030204" pitchFamily="34" charset="0"/>
                 <a:cs typeface="Calibri" panose="020F0502020204030204" pitchFamily="34" charset="0"/>
               </a:rPr>
-              <a:t>combinare</a:t>
+              <a:t>sulla</a:t>
             </a:r>
             <a:r>
               <a:rPr lang="en-GB" dirty="0">
@@ -12086,7 +12397,7 @@
                 <a:latin typeface="Calibri" panose="020F0502020204030204" pitchFamily="34" charset="0"/>
                 <a:cs typeface="Calibri" panose="020F0502020204030204" pitchFamily="34" charset="0"/>
               </a:rPr>
-              <a:t>comandi</a:t>
+              <a:t>stessa</a:t>
             </a:r>
             <a:r>
               <a:rPr lang="en-GB" dirty="0">
@@ -12100,21 +12411,21 @@
                 <a:latin typeface="Calibri" panose="020F0502020204030204" pitchFamily="34" charset="0"/>
                 <a:cs typeface="Calibri" panose="020F0502020204030204" pitchFamily="34" charset="0"/>
               </a:rPr>
-              <a:t>sulla</a:t>
+              <a:t>linea</a:t>
             </a:r>
             <a:r>
               <a:rPr lang="en-GB" dirty="0">
                 <a:latin typeface="Calibri" panose="020F0502020204030204" pitchFamily="34" charset="0"/>
                 <a:cs typeface="Calibri" panose="020F0502020204030204" pitchFamily="34" charset="0"/>
               </a:rPr>
-              <a:t> </a:t>
+              <a:t>. Il secondo commando </a:t>
             </a:r>
             <a:r>
               <a:rPr lang="en-GB" dirty="0" err="1">
                 <a:latin typeface="Calibri" panose="020F0502020204030204" pitchFamily="34" charset="0"/>
                 <a:cs typeface="Calibri" panose="020F0502020204030204" pitchFamily="34" charset="0"/>
               </a:rPr>
-              <a:t>stessa</a:t>
+              <a:t>viene</a:t>
             </a:r>
             <a:r>
               <a:rPr lang="en-GB" dirty="0">
@@ -12128,60 +12439,38 @@
                 <a:latin typeface="Calibri" panose="020F0502020204030204" pitchFamily="34" charset="0"/>
                 <a:cs typeface="Calibri" panose="020F0502020204030204" pitchFamily="34" charset="0"/>
               </a:rPr>
-              <a:t>linea</a:t>
+              <a:t>eseguito</a:t>
             </a:r>
             <a:r>
               <a:rPr lang="en-GB" dirty="0">
                 <a:latin typeface="Calibri" panose="020F0502020204030204" pitchFamily="34" charset="0"/>
                 <a:cs typeface="Calibri" panose="020F0502020204030204" pitchFamily="34" charset="0"/>
               </a:rPr>
-              <a:t>.</a:t>
-            </a:r>
-          </a:p>
-          <a:p>
+              <a:t> solo al </a:t>
+            </a:r>
             <a:r>
               <a:rPr lang="en-GB" dirty="0" err="1">
-                <a:solidFill>
-                  <a:schemeClr val="accent6">
-                    <a:lumMod val="75000"/>
-                  </a:schemeClr>
-                </a:solidFill>
                 <a:latin typeface="Calibri" panose="020F0502020204030204" pitchFamily="34" charset="0"/>
                 <a:cs typeface="Calibri" panose="020F0502020204030204" pitchFamily="34" charset="0"/>
               </a:rPr>
-              <a:t>Approccio</a:t>
+              <a:t>termine</a:t>
             </a:r>
             <a:r>
               <a:rPr lang="en-GB" dirty="0">
-                <a:solidFill>
-                  <a:schemeClr val="accent6">
-                    <a:lumMod val="75000"/>
-                  </a:schemeClr>
-                </a:solidFill>
                 <a:latin typeface="Calibri" panose="020F0502020204030204" pitchFamily="34" charset="0"/>
                 <a:cs typeface="Calibri" panose="020F0502020204030204" pitchFamily="34" charset="0"/>
               </a:rPr>
-              <a:t> </a:t>
+              <a:t> del primo (</a:t>
             </a:r>
             <a:r>
               <a:rPr lang="en-GB" dirty="0" err="1">
-                <a:solidFill>
-                  <a:schemeClr val="accent6">
-                    <a:lumMod val="75000"/>
-                  </a:schemeClr>
-                </a:solidFill>
                 <a:latin typeface="Calibri" panose="020F0502020204030204" pitchFamily="34" charset="0"/>
                 <a:cs typeface="Calibri" panose="020F0502020204030204" pitchFamily="34" charset="0"/>
               </a:rPr>
-              <a:t>estremamente</a:t>
+              <a:t>esecuzione</a:t>
             </a:r>
             <a:r>
               <a:rPr lang="en-GB" dirty="0">
-                <a:solidFill>
-                  <a:schemeClr val="accent6">
-                    <a:lumMod val="75000"/>
-                  </a:schemeClr>
-                </a:solidFill>
                 <a:latin typeface="Calibri" panose="020F0502020204030204" pitchFamily="34" charset="0"/>
                 <a:cs typeface="Calibri" panose="020F0502020204030204" pitchFamily="34" charset="0"/>
               </a:rPr>
@@ -12189,243 +12478,17 @@
             </a:r>
             <a:r>
               <a:rPr lang="en-GB" dirty="0" err="1">
-                <a:solidFill>
-                  <a:schemeClr val="accent6">
-                    <a:lumMod val="75000"/>
-                  </a:schemeClr>
-                </a:solidFill>
                 <a:latin typeface="Calibri" panose="020F0502020204030204" pitchFamily="34" charset="0"/>
                 <a:cs typeface="Calibri" panose="020F0502020204030204" pitchFamily="34" charset="0"/>
               </a:rPr>
-              <a:t>inefficiente</a:t>
+              <a:t>seriale</a:t>
             </a:r>
             <a:r>
               <a:rPr lang="en-GB" dirty="0">
-                <a:solidFill>
-                  <a:schemeClr val="accent6">
-                    <a:lumMod val="75000"/>
-                  </a:schemeClr>
-                </a:solidFill>
                 <a:latin typeface="Calibri" panose="020F0502020204030204" pitchFamily="34" charset="0"/>
                 <a:cs typeface="Calibri" panose="020F0502020204030204" pitchFamily="34" charset="0"/>
               </a:rPr>
-              <a:t>. La </a:t>
-            </a:r>
-            <a:r>
-              <a:rPr lang="en-GB" dirty="0" err="1">
-                <a:solidFill>
-                  <a:schemeClr val="accent6">
-                    <a:lumMod val="75000"/>
-                  </a:schemeClr>
-                </a:solidFill>
-                <a:latin typeface="Calibri" panose="020F0502020204030204" pitchFamily="34" charset="0"/>
-                <a:cs typeface="Calibri" panose="020F0502020204030204" pitchFamily="34" charset="0"/>
-              </a:rPr>
-              <a:t>memoria</a:t>
-            </a:r>
-            <a:r>
-              <a:rPr lang="en-GB" dirty="0">
-                <a:solidFill>
-                  <a:schemeClr val="accent6">
-                    <a:lumMod val="75000"/>
-                  </a:schemeClr>
-                </a:solidFill>
-                <a:latin typeface="Calibri" panose="020F0502020204030204" pitchFamily="34" charset="0"/>
-                <a:cs typeface="Calibri" panose="020F0502020204030204" pitchFamily="34" charset="0"/>
-              </a:rPr>
-              <a:t> </a:t>
-            </a:r>
-            <a:r>
-              <a:rPr lang="en-GB" dirty="0" err="1">
-                <a:solidFill>
-                  <a:schemeClr val="accent6">
-                    <a:lumMod val="75000"/>
-                  </a:schemeClr>
-                </a:solidFill>
-                <a:latin typeface="Calibri" panose="020F0502020204030204" pitchFamily="34" charset="0"/>
-                <a:cs typeface="Calibri" panose="020F0502020204030204" pitchFamily="34" charset="0"/>
-              </a:rPr>
-              <a:t>secondaria</a:t>
-            </a:r>
-            <a:r>
-              <a:rPr lang="en-GB" dirty="0">
-                <a:solidFill>
-                  <a:schemeClr val="accent6">
-                    <a:lumMod val="75000"/>
-                  </a:schemeClr>
-                </a:solidFill>
-                <a:latin typeface="Calibri" panose="020F0502020204030204" pitchFamily="34" charset="0"/>
-                <a:cs typeface="Calibri" panose="020F0502020204030204" pitchFamily="34" charset="0"/>
-              </a:rPr>
-              <a:t> (HDD) </a:t>
-            </a:r>
-            <a:r>
-              <a:rPr lang="en-GB" dirty="0" err="1">
-                <a:solidFill>
-                  <a:schemeClr val="accent6">
-                    <a:lumMod val="75000"/>
-                  </a:schemeClr>
-                </a:solidFill>
-                <a:latin typeface="Calibri" panose="020F0502020204030204" pitchFamily="34" charset="0"/>
-                <a:cs typeface="Calibri" panose="020F0502020204030204" pitchFamily="34" charset="0"/>
-              </a:rPr>
-              <a:t>è</a:t>
-            </a:r>
-            <a:r>
-              <a:rPr lang="en-GB" dirty="0">
-                <a:solidFill>
-                  <a:schemeClr val="accent6">
-                    <a:lumMod val="75000"/>
-                  </a:schemeClr>
-                </a:solidFill>
-                <a:latin typeface="Calibri" panose="020F0502020204030204" pitchFamily="34" charset="0"/>
-                <a:cs typeface="Calibri" panose="020F0502020204030204" pitchFamily="34" charset="0"/>
-              </a:rPr>
-              <a:t> </a:t>
-            </a:r>
-            <a:r>
-              <a:rPr lang="en-GB" dirty="0" err="1">
-                <a:solidFill>
-                  <a:schemeClr val="accent6">
-                    <a:lumMod val="75000"/>
-                  </a:schemeClr>
-                </a:solidFill>
-                <a:latin typeface="Calibri" panose="020F0502020204030204" pitchFamily="34" charset="0"/>
-                <a:cs typeface="Calibri" panose="020F0502020204030204" pitchFamily="34" charset="0"/>
-              </a:rPr>
-              <a:t>molto</a:t>
-            </a:r>
-            <a:r>
-              <a:rPr lang="en-GB" dirty="0">
-                <a:solidFill>
-                  <a:schemeClr val="accent6">
-                    <a:lumMod val="75000"/>
-                  </a:schemeClr>
-                </a:solidFill>
-                <a:latin typeface="Calibri" panose="020F0502020204030204" pitchFamily="34" charset="0"/>
-                <a:cs typeface="Calibri" panose="020F0502020204030204" pitchFamily="34" charset="0"/>
-              </a:rPr>
-              <a:t> </a:t>
-            </a:r>
-            <a:r>
-              <a:rPr lang="en-GB" dirty="0" err="1">
-                <a:solidFill>
-                  <a:schemeClr val="accent6">
-                    <a:lumMod val="75000"/>
-                  </a:schemeClr>
-                </a:solidFill>
-                <a:latin typeface="Calibri" panose="020F0502020204030204" pitchFamily="34" charset="0"/>
-                <a:cs typeface="Calibri" panose="020F0502020204030204" pitchFamily="34" charset="0"/>
-              </a:rPr>
-              <a:t>meno</a:t>
-            </a:r>
-            <a:r>
-              <a:rPr lang="en-GB" dirty="0">
-                <a:solidFill>
-                  <a:schemeClr val="accent6">
-                    <a:lumMod val="75000"/>
-                  </a:schemeClr>
-                </a:solidFill>
-                <a:latin typeface="Calibri" panose="020F0502020204030204" pitchFamily="34" charset="0"/>
-                <a:cs typeface="Calibri" panose="020F0502020204030204" pitchFamily="34" charset="0"/>
-              </a:rPr>
-              <a:t> </a:t>
-            </a:r>
-            <a:r>
-              <a:rPr lang="en-GB" dirty="0" err="1">
-                <a:solidFill>
-                  <a:schemeClr val="accent6">
-                    <a:lumMod val="75000"/>
-                  </a:schemeClr>
-                </a:solidFill>
-                <a:latin typeface="Calibri" panose="020F0502020204030204" pitchFamily="34" charset="0"/>
-                <a:cs typeface="Calibri" panose="020F0502020204030204" pitchFamily="34" charset="0"/>
-              </a:rPr>
-              <a:t>performante</a:t>
-            </a:r>
-            <a:r>
-              <a:rPr lang="en-GB" dirty="0">
-                <a:solidFill>
-                  <a:schemeClr val="accent6">
-                    <a:lumMod val="75000"/>
-                  </a:schemeClr>
-                </a:solidFill>
-                <a:latin typeface="Calibri" panose="020F0502020204030204" pitchFamily="34" charset="0"/>
-                <a:cs typeface="Calibri" panose="020F0502020204030204" pitchFamily="34" charset="0"/>
-              </a:rPr>
-              <a:t> </a:t>
-            </a:r>
-            <a:r>
-              <a:rPr lang="en-GB" dirty="0" err="1">
-                <a:solidFill>
-                  <a:schemeClr val="accent6">
-                    <a:lumMod val="75000"/>
-                  </a:schemeClr>
-                </a:solidFill>
-                <a:latin typeface="Calibri" panose="020F0502020204030204" pitchFamily="34" charset="0"/>
-                <a:cs typeface="Calibri" panose="020F0502020204030204" pitchFamily="34" charset="0"/>
-              </a:rPr>
-              <a:t>della</a:t>
-            </a:r>
-            <a:r>
-              <a:rPr lang="en-GB" dirty="0">
-                <a:solidFill>
-                  <a:schemeClr val="accent6">
-                    <a:lumMod val="75000"/>
-                  </a:schemeClr>
-                </a:solidFill>
-                <a:latin typeface="Calibri" panose="020F0502020204030204" pitchFamily="34" charset="0"/>
-                <a:cs typeface="Calibri" panose="020F0502020204030204" pitchFamily="34" charset="0"/>
-              </a:rPr>
-              <a:t> </a:t>
-            </a:r>
-            <a:r>
-              <a:rPr lang="en-GB" dirty="0" err="1">
-                <a:solidFill>
-                  <a:schemeClr val="accent6">
-                    <a:lumMod val="75000"/>
-                  </a:schemeClr>
-                </a:solidFill>
-                <a:latin typeface="Calibri" panose="020F0502020204030204" pitchFamily="34" charset="0"/>
-                <a:cs typeface="Calibri" panose="020F0502020204030204" pitchFamily="34" charset="0"/>
-              </a:rPr>
-              <a:t>memoria</a:t>
-            </a:r>
-            <a:r>
-              <a:rPr lang="en-GB" dirty="0">
-                <a:solidFill>
-                  <a:schemeClr val="accent6">
-                    <a:lumMod val="75000"/>
-                  </a:schemeClr>
-                </a:solidFill>
-                <a:latin typeface="Calibri" panose="020F0502020204030204" pitchFamily="34" charset="0"/>
-                <a:cs typeface="Calibri" panose="020F0502020204030204" pitchFamily="34" charset="0"/>
-              </a:rPr>
-              <a:t> </a:t>
-            </a:r>
-            <a:r>
-              <a:rPr lang="en-GB" dirty="0" err="1">
-                <a:solidFill>
-                  <a:schemeClr val="accent6">
-                    <a:lumMod val="75000"/>
-                  </a:schemeClr>
-                </a:solidFill>
-                <a:latin typeface="Calibri" panose="020F0502020204030204" pitchFamily="34" charset="0"/>
-                <a:cs typeface="Calibri" panose="020F0502020204030204" pitchFamily="34" charset="0"/>
-              </a:rPr>
-              <a:t>primaria</a:t>
-            </a:r>
-            <a:r>
-              <a:rPr lang="en-GB" dirty="0">
-                <a:solidFill>
-                  <a:schemeClr val="accent6">
-                    <a:lumMod val="75000"/>
-                  </a:schemeClr>
-                </a:solidFill>
-                <a:latin typeface="Calibri" panose="020F0502020204030204" pitchFamily="34" charset="0"/>
-                <a:cs typeface="Calibri" panose="020F0502020204030204" pitchFamily="34" charset="0"/>
-              </a:rPr>
-              <a:t> (RAM).  HDD SSD: ~0.2GB/S, DDR4: ~5GB/S</a:t>
+              <a:t>)</a:t>
             </a:r>
           </a:p>
           <a:p>
@@ -12555,10 +12618,14 @@
                   </a:schemeClr>
                 </a:solidFill>
               </a:rPr>
-              <a:t>L’output di un comando può esser diretto a diventare l’input di un altro comando (usando costrutto pipe ‘|’)</a:t>
-            </a:r>
-          </a:p>
-          <a:p>
+              <a:t>L’output di un comando può esser diretto vero l’input di un altro comando usando il costrutto pipe ‘|’</a:t>
+            </a:r>
+          </a:p>
+          <a:p>
+            <a:r>
+              <a:rPr lang="it-IT" dirty="0"/>
+              <a:t>L’output</a:t>
+            </a:r>
             <a:r>
               <a:rPr lang="it-IT" dirty="0">
                 <a:solidFill>
@@ -12567,11 +12634,25 @@
                   </a:schemeClr>
                 </a:solidFill>
               </a:rPr>
-              <a:t>Pipe come costrutto parallelo </a:t>
+              <a:t> </a:t>
             </a:r>
             <a:r>
               <a:rPr lang="it-IT" dirty="0"/>
-              <a:t>(l’output del primo comando viene reso disponibile al secondo e consumato appena possibile, in assenza di file temporanei)</a:t>
+              <a:t>del primo comando viene reso disponibile al secondo e consumato appena possibile, in assenza di file temporanei (</a:t>
+            </a:r>
+            <a:r>
+              <a:rPr lang="it-IT" dirty="0">
+                <a:solidFill>
+                  <a:schemeClr val="accent6">
+                    <a:lumMod val="75000"/>
+                  </a:schemeClr>
+                </a:solidFill>
+              </a:rPr>
+              <a:t>esecuzione parallela</a:t>
+            </a:r>
+            <a:r>
+              <a:rPr lang="it-IT" dirty="0"/>
+              <a:t>)</a:t>
             </a:r>
           </a:p>
           <a:p>
@@ -15215,7 +15296,11 @@
             </a:r>
             <a:r>
               <a:rPr lang="en-GB" dirty="0"/>
-              <a:t> in background </a:t>
+              <a:t> </a:t>
+            </a:r>
+            <a:r>
+              <a:rPr lang="en-GB" i="1" dirty="0"/>
+              <a:t>in background </a:t>
             </a:r>
             <a:r>
               <a:rPr lang="en-GB" dirty="0" err="1"/>
@@ -15239,23 +15324,15 @@
             </a:r>
             <a:r>
               <a:rPr lang="en-GB" dirty="0"/>
-              <a:t> un prompt con </a:t>
+              <a:t> al prompt </a:t>
             </a:r>
             <a:r>
               <a:rPr lang="en-GB" dirty="0" err="1"/>
-              <a:t>il</a:t>
-            </a:r>
-            <a:r>
-              <a:rPr lang="en-GB" dirty="0"/>
-              <a:t> </a:t>
-            </a:r>
-            <a:r>
-              <a:rPr lang="en-GB" dirty="0" err="1"/>
-              <a:t>carattere</a:t>
-            </a:r>
-            <a:r>
-              <a:rPr lang="en-GB" dirty="0"/>
-              <a:t> </a:t>
+              <a:t>utilizzando</a:t>
+            </a:r>
+            <a:r>
+              <a:rPr lang="en-GB" dirty="0"/>
+              <a:t> il carattere </a:t>
             </a:r>
             <a:r>
               <a:rPr lang="en-GB" dirty="0">
@@ -16055,6 +16132,46 @@
                   </a:schemeClr>
                 </a:solidFill>
               </a:rPr>
+              <a:t> da </a:t>
+            </a:r>
+            <a:r>
+              <a:rPr lang="en-GB" sz="2800" dirty="0" err="1">
+                <a:solidFill>
+                  <a:schemeClr val="accent6">
+                    <a:lumMod val="75000"/>
+                  </a:schemeClr>
+                </a:solidFill>
+              </a:rPr>
+              <a:t>utilizzare</a:t>
+            </a:r>
+            <a:r>
+              <a:rPr lang="en-GB" sz="2800" dirty="0">
+                <a:solidFill>
+                  <a:schemeClr val="accent6">
+                    <a:lumMod val="75000"/>
+                  </a:schemeClr>
+                </a:solidFill>
+              </a:rPr>
+              <a:t> per </a:t>
+            </a:r>
+            <a:r>
+              <a:rPr lang="en-GB" sz="2800" dirty="0" err="1">
+                <a:solidFill>
+                  <a:schemeClr val="accent6">
+                    <a:lumMod val="75000"/>
+                  </a:schemeClr>
+                </a:solidFill>
+              </a:rPr>
+              <a:t>inviare</a:t>
+            </a:r>
+            <a:r>
+              <a:rPr lang="en-GB" sz="2800" dirty="0">
+                <a:solidFill>
+                  <a:schemeClr val="accent6">
+                    <a:lumMod val="75000"/>
+                  </a:schemeClr>
+                </a:solidFill>
+              </a:rPr>
               <a:t> </a:t>
             </a:r>
             <a:r>
@@ -16065,7 +16182,7 @@
                   </a:schemeClr>
                 </a:solidFill>
               </a:rPr>
-              <a:t>ortodosso</a:t>
+              <a:t>segnali</a:t>
             </a:r>
             <a:r>
               <a:rPr lang="en-GB" sz="2800" dirty="0">
@@ -16075,67 +16192,7 @@
                   </a:schemeClr>
                 </a:solidFill>
               </a:rPr>
-              <a:t> per </a:t>
-            </a:r>
-            <a:r>
-              <a:rPr lang="en-GB" sz="2800" dirty="0" err="1">
-                <a:solidFill>
-                  <a:schemeClr val="accent6">
-                    <a:lumMod val="75000"/>
-                  </a:schemeClr>
-                </a:solidFill>
-              </a:rPr>
-              <a:t>inviare</a:t>
-            </a:r>
-            <a:r>
-              <a:rPr lang="en-GB" sz="2800" dirty="0">
-                <a:solidFill>
-                  <a:schemeClr val="accent6">
-                    <a:lumMod val="75000"/>
-                  </a:schemeClr>
-                </a:solidFill>
-              </a:rPr>
-              <a:t> </a:t>
-            </a:r>
-            <a:r>
-              <a:rPr lang="en-GB" sz="2800" dirty="0" err="1">
-                <a:solidFill>
-                  <a:schemeClr val="accent6">
-                    <a:lumMod val="75000"/>
-                  </a:schemeClr>
-                </a:solidFill>
-              </a:rPr>
-              <a:t>segnali</a:t>
-            </a:r>
-            <a:r>
-              <a:rPr lang="en-GB" sz="2800" dirty="0">
-                <a:solidFill>
-                  <a:schemeClr val="accent6">
-                    <a:lumMod val="75000"/>
-                  </a:schemeClr>
-                </a:solidFill>
-              </a:rPr>
-              <a:t> </a:t>
-            </a:r>
-            <a:r>
-              <a:rPr lang="en-GB" sz="2800" dirty="0" err="1">
-                <a:solidFill>
-                  <a:schemeClr val="accent6">
-                    <a:lumMod val="75000"/>
-                  </a:schemeClr>
-                </a:solidFill>
-              </a:rPr>
-              <a:t>ai</a:t>
-            </a:r>
-            <a:r>
-              <a:rPr lang="en-GB" sz="2800" dirty="0">
-                <a:solidFill>
-                  <a:schemeClr val="accent6">
-                    <a:lumMod val="75000"/>
-                  </a:schemeClr>
-                </a:solidFill>
-              </a:rPr>
-              <a:t> </a:t>
+              <a:t> ai </a:t>
             </a:r>
             <a:r>
               <a:rPr lang="en-GB" sz="2800" dirty="0" err="1">
@@ -18094,6 +18151,8 @@
               </a:rPr>
               <a:t> stessa. </a:t>
             </a:r>
+          </a:p>
+          <a:p>
             <a:r>
               <a:rPr lang="it-IT" sz="2200" dirty="0">
                 <a:solidFill>
@@ -18421,11 +18480,19 @@
             </a:r>
             <a:r>
               <a:rPr lang="en-GB" sz="2800" dirty="0"/>
-              <a:t> </a:t>
+              <a:t> dopo il login o dopo </a:t>
             </a:r>
             <a:r>
               <a:rPr lang="en-GB" sz="2800" dirty="0" err="1"/>
-              <a:t>dopo</a:t>
+              <a:t>l’apertura</a:t>
+            </a:r>
+            <a:r>
+              <a:rPr lang="en-GB" sz="2800" dirty="0"/>
+              <a:t> di un </a:t>
+            </a:r>
+            <a:r>
+              <a:rPr lang="en-GB" sz="2800" dirty="0" err="1"/>
+              <a:t>terminale</a:t>
             </a:r>
             <a:r>
               <a:rPr lang="en-GB" sz="2800" dirty="0"/>
@@ -18433,59 +18500,11 @@
             </a:r>
             <a:r>
               <a:rPr lang="en-GB" sz="2800" dirty="0" err="1"/>
-              <a:t>il</a:t>
+              <a:t>legge</a:t>
             </a:r>
             <a:r>
               <a:rPr lang="en-GB" sz="2800" dirty="0"/>
-              <a:t> login o </a:t>
-            </a:r>
-            <a:r>
-              <a:rPr lang="en-GB" sz="2800" dirty="0" err="1"/>
-              <a:t>dopo</a:t>
-            </a:r>
-            <a:r>
-              <a:rPr lang="en-GB" sz="2800" dirty="0"/>
-              <a:t> </a:t>
-            </a:r>
-            <a:r>
-              <a:rPr lang="en-GB" sz="2800" dirty="0" err="1"/>
-              <a:t>l’apertura</a:t>
-            </a:r>
-            <a:r>
-              <a:rPr lang="en-GB" sz="2800" dirty="0"/>
-              <a:t> di un </a:t>
-            </a:r>
-            <a:r>
-              <a:rPr lang="en-GB" sz="2800" dirty="0" err="1"/>
-              <a:t>terminale</a:t>
-            </a:r>
-            <a:r>
-              <a:rPr lang="en-GB" sz="2800" dirty="0"/>
-              <a:t> </a:t>
-            </a:r>
-            <a:r>
-              <a:rPr lang="en-GB" sz="2800" dirty="0" err="1"/>
-              <a:t>grafico</a:t>
-            </a:r>
-            <a:r>
-              <a:rPr lang="en-GB" sz="2800" dirty="0"/>
-              <a:t>, </a:t>
-            </a:r>
-            <a:r>
-              <a:rPr lang="en-GB" sz="2800" dirty="0" err="1"/>
-              <a:t>legge</a:t>
-            </a:r>
-            <a:r>
-              <a:rPr lang="en-GB" sz="2800" dirty="0"/>
-              <a:t> un file (</a:t>
-            </a:r>
-            <a:r>
-              <a:rPr lang="en-GB" sz="2800" dirty="0" err="1"/>
-              <a:t>es</a:t>
-            </a:r>
-            <a:r>
-              <a:rPr lang="en-GB" sz="2800" dirty="0"/>
-              <a:t>. .profile/.</a:t>
+              <a:t> un file (e.g., .profile/.</a:t>
             </a:r>
             <a:r>
               <a:rPr lang="en-GB" sz="2800" dirty="0" err="1"/>
@@ -21334,9 +21353,11 @@
             </a:r>
           </a:p>
           <a:p>
-            <a:pPr lvl="1"/>
-            <a:r>
-              <a:rPr lang="it-IT" sz="2800" dirty="0">
+            <a:pPr marL="642937" lvl="2" indent="0">
+              <a:buNone/>
+            </a:pPr>
+            <a:r>
+              <a:rPr lang="it-IT" sz="2500" dirty="0">
                 <a:solidFill>
                   <a:schemeClr val="accent6">
                     <a:lumMod val="75000"/>
@@ -21346,14 +21367,16 @@
               <a:t>*</a:t>
             </a:r>
             <a:r>
-              <a:rPr lang="it-IT" sz="2800" dirty="0"/>
+              <a:rPr lang="it-IT" sz="2500" dirty="0"/>
               <a:t> una qualunque stringa di zero o più caratteri in un nome di file</a:t>
             </a:r>
           </a:p>
           <a:p>
-            <a:pPr lvl="1"/>
-            <a:r>
-              <a:rPr lang="it-IT" sz="2800" dirty="0">
+            <a:pPr marL="642937" lvl="2" indent="0">
+              <a:buNone/>
+            </a:pPr>
+            <a:r>
+              <a:rPr lang="it-IT" sz="2500" dirty="0">
                 <a:solidFill>
                   <a:schemeClr val="accent6">
                     <a:lumMod val="75000"/>
@@ -21363,14 +21386,16 @@
               <a:t>?</a:t>
             </a:r>
             <a:r>
-              <a:rPr lang="it-IT" sz="2800" dirty="0"/>
+              <a:rPr lang="it-IT" sz="2500" dirty="0"/>
               <a:t> un qualunque carattere in un nome di file</a:t>
             </a:r>
           </a:p>
           <a:p>
-            <a:pPr lvl="1"/>
-            <a:r>
-              <a:rPr lang="it-IT" sz="2800" dirty="0">
+            <a:pPr marL="642937" lvl="2" indent="0">
+              <a:buNone/>
+            </a:pPr>
+            <a:r>
+              <a:rPr lang="it-IT" sz="2500" dirty="0">
                 <a:solidFill>
                   <a:schemeClr val="accent6">
                     <a:lumMod val="75000"/>
@@ -21380,11 +21405,11 @@
               <a:t>[</a:t>
             </a:r>
             <a:r>
-              <a:rPr lang="it-IT" sz="2800" dirty="0" err="1"/>
+              <a:rPr lang="it-IT" sz="2500" dirty="0" err="1"/>
               <a:t>abc</a:t>
             </a:r>
             <a:r>
-              <a:rPr lang="it-IT" sz="2800" dirty="0">
+              <a:rPr lang="it-IT" sz="2500" dirty="0">
                 <a:solidFill>
                   <a:schemeClr val="accent6">
                     <a:lumMod val="75000"/>
@@ -21394,51 +21419,53 @@
               <a:t>]</a:t>
             </a:r>
             <a:r>
-              <a:rPr lang="it-IT" sz="2800" dirty="0"/>
+              <a:rPr lang="it-IT" sz="2500" dirty="0"/>
               <a:t> un qualunque carattere, in un nome di file, compreso tra quelli nell'insieme. Anche </a:t>
             </a:r>
             <a:r>
-              <a:rPr lang="it-IT" sz="2800" dirty="0" err="1"/>
+              <a:rPr lang="it-IT" sz="2500" dirty="0" err="1"/>
               <a:t>range</a:t>
             </a:r>
             <a:r>
-              <a:rPr lang="it-IT" sz="2800" dirty="0"/>
+              <a:rPr lang="it-IT" sz="2500" dirty="0"/>
               <a:t> di valori: [a-g]. Per esempio </a:t>
             </a:r>
             <a:r>
-              <a:rPr lang="it-IT" sz="2800" dirty="0" err="1"/>
+              <a:rPr lang="it-IT" sz="2500" dirty="0" err="1"/>
               <a:t>ls</a:t>
             </a:r>
             <a:r>
-              <a:rPr lang="it-IT" sz="2800" dirty="0"/>
+              <a:rPr lang="it-IT" sz="2500" dirty="0"/>
               <a:t> [</a:t>
             </a:r>
             <a:r>
-              <a:rPr lang="it-IT" sz="2800" dirty="0" err="1"/>
+              <a:rPr lang="it-IT" sz="2500" dirty="0" err="1"/>
               <a:t>q-s</a:t>
             </a:r>
             <a:r>
-              <a:rPr lang="it-IT" sz="2800" dirty="0"/>
+              <a:rPr lang="it-IT" sz="2500" dirty="0"/>
               <a:t>]* stampa tutti i file con nomi che iniziano con un carattere compreso tra </a:t>
             </a:r>
             <a:r>
-              <a:rPr lang="it-IT" sz="2800" dirty="0" err="1"/>
+              <a:rPr lang="it-IT" sz="2500" dirty="0" err="1"/>
               <a:t>q</a:t>
             </a:r>
             <a:r>
-              <a:rPr lang="it-IT" sz="2800" dirty="0"/>
+              <a:rPr lang="it-IT" sz="2500" dirty="0"/>
               <a:t> e </a:t>
             </a:r>
             <a:r>
-              <a:rPr lang="it-IT" sz="2800" dirty="0" err="1"/>
+              <a:rPr lang="it-IT" sz="2500" dirty="0" err="1"/>
               <a:t>s</a:t>
             </a:r>
-            <a:endParaRPr lang="it-IT" sz="2800" dirty="0"/>
-          </a:p>
-          <a:p>
-            <a:pPr lvl="1"/>
-            <a:r>
-              <a:rPr lang="it-IT" sz="2800" dirty="0">
+            <a:endParaRPr lang="it-IT" sz="2500" dirty="0"/>
+          </a:p>
+          <a:p>
+            <a:pPr marL="642937" lvl="2" indent="0">
+              <a:buNone/>
+            </a:pPr>
+            <a:r>
+              <a:rPr lang="it-IT" sz="2500" dirty="0">
                 <a:solidFill>
                   <a:schemeClr val="accent6">
                     <a:lumMod val="75000"/>
@@ -21448,7 +21475,7 @@
               <a:t>\</a:t>
             </a:r>
             <a:r>
-              <a:rPr lang="it-IT" sz="2800" dirty="0"/>
+              <a:rPr lang="it-IT" sz="2500" dirty="0"/>
               <a:t> segnala di non interpretare il carattere successivo come speciale</a:t>
             </a:r>
           </a:p>
@@ -21568,6 +21595,73 @@
             <a:normAutofit/>
           </a:bodyPr>
           <a:lstStyle/>
+          <a:p>
+            <a:pPr marL="0" indent="0">
+              <a:buNone/>
+            </a:pPr>
+            <a:r>
+              <a:rPr lang="it-IT" dirty="0">
+                <a:solidFill>
+                  <a:schemeClr val="accent6">
+                    <a:lumMod val="75000"/>
+                  </a:schemeClr>
+                </a:solidFill>
+                <a:latin typeface="Consolas" panose="020B0609020204030204" pitchFamily="49" charset="0"/>
+                <a:cs typeface="Consolas" panose="020B0609020204030204" pitchFamily="49" charset="0"/>
+              </a:rPr>
+              <a:t>$ </a:t>
+            </a:r>
+            <a:r>
+              <a:rPr lang="it-IT" dirty="0" err="1">
+                <a:solidFill>
+                  <a:schemeClr val="accent6">
+                    <a:lumMod val="75000"/>
+                  </a:schemeClr>
+                </a:solidFill>
+                <a:latin typeface="Consolas" panose="020B0609020204030204" pitchFamily="49" charset="0"/>
+                <a:cs typeface="Consolas" panose="020B0609020204030204" pitchFamily="49" charset="0"/>
+              </a:rPr>
+              <a:t>ls</a:t>
+            </a:r>
+            <a:r>
+              <a:rPr lang="it-IT" dirty="0">
+                <a:solidFill>
+                  <a:schemeClr val="accent6">
+                    <a:lumMod val="75000"/>
+                  </a:schemeClr>
+                </a:solidFill>
+                <a:latin typeface="Consolas" panose="020B0609020204030204" pitchFamily="49" charset="0"/>
+                <a:cs typeface="Consolas" panose="020B0609020204030204" pitchFamily="49" charset="0"/>
+              </a:rPr>
+              <a:t> .*</a:t>
+            </a:r>
+          </a:p>
+          <a:p>
+            <a:pPr marL="0" indent="0">
+              <a:buNone/>
+            </a:pPr>
+            <a:r>
+              <a:rPr lang="it-IT" dirty="0">
+                <a:latin typeface="Calibri" panose="020F0502020204030204" pitchFamily="34" charset="0"/>
+                <a:cs typeface="Calibri" panose="020F0502020204030204" pitchFamily="34" charset="0"/>
+              </a:rPr>
+              <a:t>Elenca tutti i file che iniziano con il carattere .</a:t>
+            </a:r>
+          </a:p>
+          <a:p>
+            <a:pPr marL="0" indent="0">
+              <a:buNone/>
+            </a:pPr>
+            <a:endParaRPr lang="it-IT" dirty="0">
+              <a:solidFill>
+                <a:schemeClr val="accent6">
+                  <a:lumMod val="75000"/>
+                </a:schemeClr>
+              </a:solidFill>
+              <a:latin typeface="Consolas" panose="020B0609020204030204" pitchFamily="49" charset="0"/>
+              <a:cs typeface="Consolas" panose="020B0609020204030204" pitchFamily="49" charset="0"/>
+            </a:endParaRPr>
+          </a:p>
           <a:p>
             <a:pPr marL="0" indent="0">
               <a:buNone/>

--- a/bash/slides/ppt/02 - Bash Shell.pptx
+++ b/bash/slides/ppt/02 - Bash Shell.pptx
@@ -258,7 +258,7 @@
             <a:fld id="{BAEB7694-8561-4BE2-948D-EDF7A201F8BB}" type="datetimeFigureOut">
               <a:rPr lang="it-IT" smtClean="0"/>
               <a:pPr/>
-              <a:t>07/03/22</a:t>
+              <a:t>10/03/22</a:t>
             </a:fld>
             <a:endParaRPr lang="it-IT"/>
           </a:p>
